--- a/ppt 16-9/0253.耶稣复生.pptx
+++ b/ppt 16-9/0253.耶稣复生.pptx
@@ -129,7 +129,7 @@
           <p:cNvPr id="2" name="标题 1">
             <a:extLst>
               <a:ext uri="{FF2B5EF4-FFF2-40B4-BE49-F238E27FC236}">
-                <a16:creationId xmlns:a16="http://schemas.microsoft.com/office/drawing/2014/main" id="{C16D4972-EB5B-491D-DC0D-A72153DE352E}"/>
+                <a16:creationId xmlns:a16="http://schemas.microsoft.com/office/drawing/2014/main" id="{980BB0FD-3ADD-0B24-5AB7-9887271434C9}"/>
               </a:ext>
             </a:extLst>
           </p:cNvPr>
@@ -166,7 +166,7 @@
           <p:cNvPr id="3" name="副标题 2">
             <a:extLst>
               <a:ext uri="{FF2B5EF4-FFF2-40B4-BE49-F238E27FC236}">
-                <a16:creationId xmlns:a16="http://schemas.microsoft.com/office/drawing/2014/main" id="{5084E63B-A316-350A-19DD-33AD97C56F0C}"/>
+                <a16:creationId xmlns:a16="http://schemas.microsoft.com/office/drawing/2014/main" id="{3862944F-150A-C7B4-ECBD-AFA506D24701}"/>
               </a:ext>
             </a:extLst>
           </p:cNvPr>
@@ -236,7 +236,7 @@
           <p:cNvPr id="4" name="日期占位符 3">
             <a:extLst>
               <a:ext uri="{FF2B5EF4-FFF2-40B4-BE49-F238E27FC236}">
-                <a16:creationId xmlns:a16="http://schemas.microsoft.com/office/drawing/2014/main" id="{C649D74D-4C31-2D47-6628-A39BBB998E6C}"/>
+                <a16:creationId xmlns:a16="http://schemas.microsoft.com/office/drawing/2014/main" id="{768A3A18-7DBE-DCFF-DDDC-FDED5E1D0B39}"/>
               </a:ext>
             </a:extLst>
           </p:cNvPr>
@@ -252,7 +252,7 @@
           <a:bodyPr/>
           <a:lstStyle/>
           <a:p>
-            <a:fld id="{F762CF11-8725-4D03-9F3E-622B1E1DE8F7}" type="datetimeFigureOut">
+            <a:fld id="{F516A70A-42B9-4903-8D15-6092F82C4776}" type="datetimeFigureOut">
               <a:rPr lang="zh-CN" altLang="en-US" smtClean="0"/>
               <a:t>2024/3/10</a:t>
             </a:fld>
@@ -265,7 +265,7 @@
           <p:cNvPr id="5" name="页脚占位符 4">
             <a:extLst>
               <a:ext uri="{FF2B5EF4-FFF2-40B4-BE49-F238E27FC236}">
-                <a16:creationId xmlns:a16="http://schemas.microsoft.com/office/drawing/2014/main" id="{248ECE52-ADA7-A805-B4AB-AAD0BB951643}"/>
+                <a16:creationId xmlns:a16="http://schemas.microsoft.com/office/drawing/2014/main" id="{34B2B9F4-30AE-1B90-36D0-B7A878847614}"/>
               </a:ext>
             </a:extLst>
           </p:cNvPr>
@@ -290,7 +290,7 @@
           <p:cNvPr id="6" name="灯片编号占位符 5">
             <a:extLst>
               <a:ext uri="{FF2B5EF4-FFF2-40B4-BE49-F238E27FC236}">
-                <a16:creationId xmlns:a16="http://schemas.microsoft.com/office/drawing/2014/main" id="{32F77F7A-F87D-BEBC-898F-B790EED9ED99}"/>
+                <a16:creationId xmlns:a16="http://schemas.microsoft.com/office/drawing/2014/main" id="{568CAF61-FE73-9F9F-C9C8-5D38271747FA}"/>
               </a:ext>
             </a:extLst>
           </p:cNvPr>
@@ -306,7 +306,7 @@
           <a:bodyPr/>
           <a:lstStyle/>
           <a:p>
-            <a:fld id="{85F04810-DBCF-41DF-B543-B5F7AFC1B8C6}" type="slidenum">
+            <a:fld id="{ED163785-233C-4CBD-94F3-795F38E20FB4}" type="slidenum">
               <a:rPr lang="zh-CN" altLang="en-US" smtClean="0"/>
               <a:t>‹#›</a:t>
             </a:fld>
@@ -317,7 +317,7 @@
     </p:spTree>
     <p:extLst>
       <p:ext uri="{BB962C8B-B14F-4D97-AF65-F5344CB8AC3E}">
-        <p14:creationId xmlns:p14="http://schemas.microsoft.com/office/powerpoint/2010/main" val="2931400094"/>
+        <p14:creationId xmlns:p14="http://schemas.microsoft.com/office/powerpoint/2010/main" val="3184111283"/>
       </p:ext>
     </p:extLst>
   </p:cSld>
@@ -349,7 +349,7 @@
           <p:cNvPr id="2" name="标题 1">
             <a:extLst>
               <a:ext uri="{FF2B5EF4-FFF2-40B4-BE49-F238E27FC236}">
-                <a16:creationId xmlns:a16="http://schemas.microsoft.com/office/drawing/2014/main" id="{993914EC-7414-7B8A-E19A-D27BA572C0DB}"/>
+                <a16:creationId xmlns:a16="http://schemas.microsoft.com/office/drawing/2014/main" id="{72FF6F2D-32FA-6D57-19E3-D3B706C3128C}"/>
               </a:ext>
             </a:extLst>
           </p:cNvPr>
@@ -377,7 +377,7 @@
           <p:cNvPr id="3" name="竖排文字占位符 2">
             <a:extLst>
               <a:ext uri="{FF2B5EF4-FFF2-40B4-BE49-F238E27FC236}">
-                <a16:creationId xmlns:a16="http://schemas.microsoft.com/office/drawing/2014/main" id="{1DD495CD-1270-A771-8D74-BF1FD1034269}"/>
+                <a16:creationId xmlns:a16="http://schemas.microsoft.com/office/drawing/2014/main" id="{599D38B3-C7BA-9CEC-D517-336DF49DFE6C}"/>
               </a:ext>
             </a:extLst>
           </p:cNvPr>
@@ -434,7 +434,7 @@
           <p:cNvPr id="4" name="日期占位符 3">
             <a:extLst>
               <a:ext uri="{FF2B5EF4-FFF2-40B4-BE49-F238E27FC236}">
-                <a16:creationId xmlns:a16="http://schemas.microsoft.com/office/drawing/2014/main" id="{A2202551-8B78-03BC-C38D-BC0D89B46266}"/>
+                <a16:creationId xmlns:a16="http://schemas.microsoft.com/office/drawing/2014/main" id="{2050E1BB-0A97-D806-8DFC-0309AB419AEA}"/>
               </a:ext>
             </a:extLst>
           </p:cNvPr>
@@ -450,7 +450,7 @@
           <a:bodyPr/>
           <a:lstStyle/>
           <a:p>
-            <a:fld id="{F762CF11-8725-4D03-9F3E-622B1E1DE8F7}" type="datetimeFigureOut">
+            <a:fld id="{F516A70A-42B9-4903-8D15-6092F82C4776}" type="datetimeFigureOut">
               <a:rPr lang="zh-CN" altLang="en-US" smtClean="0"/>
               <a:t>2024/3/10</a:t>
             </a:fld>
@@ -463,7 +463,7 @@
           <p:cNvPr id="5" name="页脚占位符 4">
             <a:extLst>
               <a:ext uri="{FF2B5EF4-FFF2-40B4-BE49-F238E27FC236}">
-                <a16:creationId xmlns:a16="http://schemas.microsoft.com/office/drawing/2014/main" id="{FBB48C8D-E22A-64FD-6EFB-37CCEBAD97C0}"/>
+                <a16:creationId xmlns:a16="http://schemas.microsoft.com/office/drawing/2014/main" id="{7E9F4E4A-FAE7-2F5F-3A09-5E6101B0E1FC}"/>
               </a:ext>
             </a:extLst>
           </p:cNvPr>
@@ -488,7 +488,7 @@
           <p:cNvPr id="6" name="灯片编号占位符 5">
             <a:extLst>
               <a:ext uri="{FF2B5EF4-FFF2-40B4-BE49-F238E27FC236}">
-                <a16:creationId xmlns:a16="http://schemas.microsoft.com/office/drawing/2014/main" id="{51FA086B-33D3-BECC-8D32-D9D5BE67A84D}"/>
+                <a16:creationId xmlns:a16="http://schemas.microsoft.com/office/drawing/2014/main" id="{5F1256DD-CD28-5F4C-E169-8D73E054B5D4}"/>
               </a:ext>
             </a:extLst>
           </p:cNvPr>
@@ -504,7 +504,7 @@
           <a:bodyPr/>
           <a:lstStyle/>
           <a:p>
-            <a:fld id="{85F04810-DBCF-41DF-B543-B5F7AFC1B8C6}" type="slidenum">
+            <a:fld id="{ED163785-233C-4CBD-94F3-795F38E20FB4}" type="slidenum">
               <a:rPr lang="zh-CN" altLang="en-US" smtClean="0"/>
               <a:t>‹#›</a:t>
             </a:fld>
@@ -515,7 +515,7 @@
     </p:spTree>
     <p:extLst>
       <p:ext uri="{BB962C8B-B14F-4D97-AF65-F5344CB8AC3E}">
-        <p14:creationId xmlns:p14="http://schemas.microsoft.com/office/powerpoint/2010/main" val="3796447149"/>
+        <p14:creationId xmlns:p14="http://schemas.microsoft.com/office/powerpoint/2010/main" val="735908691"/>
       </p:ext>
     </p:extLst>
   </p:cSld>
@@ -547,7 +547,7 @@
           <p:cNvPr id="2" name="竖排标题 1">
             <a:extLst>
               <a:ext uri="{FF2B5EF4-FFF2-40B4-BE49-F238E27FC236}">
-                <a16:creationId xmlns:a16="http://schemas.microsoft.com/office/drawing/2014/main" id="{E9155194-7F9F-4246-FCA0-CCDEE28DA6AC}"/>
+                <a16:creationId xmlns:a16="http://schemas.microsoft.com/office/drawing/2014/main" id="{9A02720A-4365-A161-D2F8-19CFCF8B71DC}"/>
               </a:ext>
             </a:extLst>
           </p:cNvPr>
@@ -580,7 +580,7 @@
           <p:cNvPr id="3" name="竖排文字占位符 2">
             <a:extLst>
               <a:ext uri="{FF2B5EF4-FFF2-40B4-BE49-F238E27FC236}">
-                <a16:creationId xmlns:a16="http://schemas.microsoft.com/office/drawing/2014/main" id="{812AF619-DDB2-98F1-7619-B881E2591A14}"/>
+                <a16:creationId xmlns:a16="http://schemas.microsoft.com/office/drawing/2014/main" id="{32E76663-7071-1553-6A0C-41210D44CCC2}"/>
               </a:ext>
             </a:extLst>
           </p:cNvPr>
@@ -642,7 +642,7 @@
           <p:cNvPr id="4" name="日期占位符 3">
             <a:extLst>
               <a:ext uri="{FF2B5EF4-FFF2-40B4-BE49-F238E27FC236}">
-                <a16:creationId xmlns:a16="http://schemas.microsoft.com/office/drawing/2014/main" id="{0A7A6A93-36C3-382E-7957-295B6D84C087}"/>
+                <a16:creationId xmlns:a16="http://schemas.microsoft.com/office/drawing/2014/main" id="{050C7CE4-E744-4982-6587-8FD569CBAFB8}"/>
               </a:ext>
             </a:extLst>
           </p:cNvPr>
@@ -658,7 +658,7 @@
           <a:bodyPr/>
           <a:lstStyle/>
           <a:p>
-            <a:fld id="{F762CF11-8725-4D03-9F3E-622B1E1DE8F7}" type="datetimeFigureOut">
+            <a:fld id="{F516A70A-42B9-4903-8D15-6092F82C4776}" type="datetimeFigureOut">
               <a:rPr lang="zh-CN" altLang="en-US" smtClean="0"/>
               <a:t>2024/3/10</a:t>
             </a:fld>
@@ -671,7 +671,7 @@
           <p:cNvPr id="5" name="页脚占位符 4">
             <a:extLst>
               <a:ext uri="{FF2B5EF4-FFF2-40B4-BE49-F238E27FC236}">
-                <a16:creationId xmlns:a16="http://schemas.microsoft.com/office/drawing/2014/main" id="{95773762-8BBD-1164-5065-887F99B607BB}"/>
+                <a16:creationId xmlns:a16="http://schemas.microsoft.com/office/drawing/2014/main" id="{F253C92D-37EC-EE83-C0ED-746E861DC118}"/>
               </a:ext>
             </a:extLst>
           </p:cNvPr>
@@ -696,7 +696,7 @@
           <p:cNvPr id="6" name="灯片编号占位符 5">
             <a:extLst>
               <a:ext uri="{FF2B5EF4-FFF2-40B4-BE49-F238E27FC236}">
-                <a16:creationId xmlns:a16="http://schemas.microsoft.com/office/drawing/2014/main" id="{B0601AD3-69B1-5D17-855C-4EFCD8765198}"/>
+                <a16:creationId xmlns:a16="http://schemas.microsoft.com/office/drawing/2014/main" id="{85629A16-0CA4-B44D-A884-D58486E05BE1}"/>
               </a:ext>
             </a:extLst>
           </p:cNvPr>
@@ -712,7 +712,7 @@
           <a:bodyPr/>
           <a:lstStyle/>
           <a:p>
-            <a:fld id="{85F04810-DBCF-41DF-B543-B5F7AFC1B8C6}" type="slidenum">
+            <a:fld id="{ED163785-233C-4CBD-94F3-795F38E20FB4}" type="slidenum">
               <a:rPr lang="zh-CN" altLang="en-US" smtClean="0"/>
               <a:t>‹#›</a:t>
             </a:fld>
@@ -723,7 +723,7 @@
     </p:spTree>
     <p:extLst>
       <p:ext uri="{BB962C8B-B14F-4D97-AF65-F5344CB8AC3E}">
-        <p14:creationId xmlns:p14="http://schemas.microsoft.com/office/powerpoint/2010/main" val="1910160507"/>
+        <p14:creationId xmlns:p14="http://schemas.microsoft.com/office/powerpoint/2010/main" val="698164776"/>
       </p:ext>
     </p:extLst>
   </p:cSld>
@@ -755,7 +755,7 @@
           <p:cNvPr id="2" name="标题 1">
             <a:extLst>
               <a:ext uri="{FF2B5EF4-FFF2-40B4-BE49-F238E27FC236}">
-                <a16:creationId xmlns:a16="http://schemas.microsoft.com/office/drawing/2014/main" id="{FA08C826-613B-1A03-01C3-0C11D35D81DB}"/>
+                <a16:creationId xmlns:a16="http://schemas.microsoft.com/office/drawing/2014/main" id="{57B69D21-0700-4248-074E-38B6146C6DA1}"/>
               </a:ext>
             </a:extLst>
           </p:cNvPr>
@@ -783,7 +783,7 @@
           <p:cNvPr id="3" name="内容占位符 2">
             <a:extLst>
               <a:ext uri="{FF2B5EF4-FFF2-40B4-BE49-F238E27FC236}">
-                <a16:creationId xmlns:a16="http://schemas.microsoft.com/office/drawing/2014/main" id="{5FAD2BFF-A09E-1F0B-8A24-FD5AEB6B9F8B}"/>
+                <a16:creationId xmlns:a16="http://schemas.microsoft.com/office/drawing/2014/main" id="{16C6748F-C064-3E45-9E45-9074D1DC2824}"/>
               </a:ext>
             </a:extLst>
           </p:cNvPr>
@@ -840,7 +840,7 @@
           <p:cNvPr id="4" name="日期占位符 3">
             <a:extLst>
               <a:ext uri="{FF2B5EF4-FFF2-40B4-BE49-F238E27FC236}">
-                <a16:creationId xmlns:a16="http://schemas.microsoft.com/office/drawing/2014/main" id="{A281C0C8-A648-8CD1-92BC-0C23B6C7EF4B}"/>
+                <a16:creationId xmlns:a16="http://schemas.microsoft.com/office/drawing/2014/main" id="{08EC6C19-7D61-E6CE-A811-B4409A75CF60}"/>
               </a:ext>
             </a:extLst>
           </p:cNvPr>
@@ -856,7 +856,7 @@
           <a:bodyPr/>
           <a:lstStyle/>
           <a:p>
-            <a:fld id="{F762CF11-8725-4D03-9F3E-622B1E1DE8F7}" type="datetimeFigureOut">
+            <a:fld id="{F516A70A-42B9-4903-8D15-6092F82C4776}" type="datetimeFigureOut">
               <a:rPr lang="zh-CN" altLang="en-US" smtClean="0"/>
               <a:t>2024/3/10</a:t>
             </a:fld>
@@ -869,7 +869,7 @@
           <p:cNvPr id="5" name="页脚占位符 4">
             <a:extLst>
               <a:ext uri="{FF2B5EF4-FFF2-40B4-BE49-F238E27FC236}">
-                <a16:creationId xmlns:a16="http://schemas.microsoft.com/office/drawing/2014/main" id="{F80AFC27-B9C6-D3C5-1722-F8E4B7ADE048}"/>
+                <a16:creationId xmlns:a16="http://schemas.microsoft.com/office/drawing/2014/main" id="{F3F33FF5-5CFB-5743-5719-6A608F755CA3}"/>
               </a:ext>
             </a:extLst>
           </p:cNvPr>
@@ -894,7 +894,7 @@
           <p:cNvPr id="6" name="灯片编号占位符 5">
             <a:extLst>
               <a:ext uri="{FF2B5EF4-FFF2-40B4-BE49-F238E27FC236}">
-                <a16:creationId xmlns:a16="http://schemas.microsoft.com/office/drawing/2014/main" id="{5EE25F2A-8ADD-51D2-415A-B87FB6B3C6FD}"/>
+                <a16:creationId xmlns:a16="http://schemas.microsoft.com/office/drawing/2014/main" id="{4383C828-7FAD-BC4F-96E7-2A587AAC0946}"/>
               </a:ext>
             </a:extLst>
           </p:cNvPr>
@@ -910,7 +910,7 @@
           <a:bodyPr/>
           <a:lstStyle/>
           <a:p>
-            <a:fld id="{85F04810-DBCF-41DF-B543-B5F7AFC1B8C6}" type="slidenum">
+            <a:fld id="{ED163785-233C-4CBD-94F3-795F38E20FB4}" type="slidenum">
               <a:rPr lang="zh-CN" altLang="en-US" smtClean="0"/>
               <a:t>‹#›</a:t>
             </a:fld>
@@ -921,7 +921,7 @@
     </p:spTree>
     <p:extLst>
       <p:ext uri="{BB962C8B-B14F-4D97-AF65-F5344CB8AC3E}">
-        <p14:creationId xmlns:p14="http://schemas.microsoft.com/office/powerpoint/2010/main" val="3683079734"/>
+        <p14:creationId xmlns:p14="http://schemas.microsoft.com/office/powerpoint/2010/main" val="1597522021"/>
       </p:ext>
     </p:extLst>
   </p:cSld>
@@ -953,7 +953,7 @@
           <p:cNvPr id="2" name="标题 1">
             <a:extLst>
               <a:ext uri="{FF2B5EF4-FFF2-40B4-BE49-F238E27FC236}">
-                <a16:creationId xmlns:a16="http://schemas.microsoft.com/office/drawing/2014/main" id="{81E956F7-A5A2-4222-6544-1709285140FC}"/>
+                <a16:creationId xmlns:a16="http://schemas.microsoft.com/office/drawing/2014/main" id="{ED83FF64-1755-ADC4-7D9E-1ACDD565FE9D}"/>
               </a:ext>
             </a:extLst>
           </p:cNvPr>
@@ -990,7 +990,7 @@
           <p:cNvPr id="3" name="文本占位符 2">
             <a:extLst>
               <a:ext uri="{FF2B5EF4-FFF2-40B4-BE49-F238E27FC236}">
-                <a16:creationId xmlns:a16="http://schemas.microsoft.com/office/drawing/2014/main" id="{88FFE619-C374-DF19-7892-037AEF184CE9}"/>
+                <a16:creationId xmlns:a16="http://schemas.microsoft.com/office/drawing/2014/main" id="{23B516CF-8136-B3CD-F114-596F5BEC9330}"/>
               </a:ext>
             </a:extLst>
           </p:cNvPr>
@@ -1115,7 +1115,7 @@
           <p:cNvPr id="4" name="日期占位符 3">
             <a:extLst>
               <a:ext uri="{FF2B5EF4-FFF2-40B4-BE49-F238E27FC236}">
-                <a16:creationId xmlns:a16="http://schemas.microsoft.com/office/drawing/2014/main" id="{9092A2BA-1069-5DDA-2C23-DBC69E1368B9}"/>
+                <a16:creationId xmlns:a16="http://schemas.microsoft.com/office/drawing/2014/main" id="{86F8B5B0-A60C-68A0-554F-34A2367F7228}"/>
               </a:ext>
             </a:extLst>
           </p:cNvPr>
@@ -1131,7 +1131,7 @@
           <a:bodyPr/>
           <a:lstStyle/>
           <a:p>
-            <a:fld id="{F762CF11-8725-4D03-9F3E-622B1E1DE8F7}" type="datetimeFigureOut">
+            <a:fld id="{F516A70A-42B9-4903-8D15-6092F82C4776}" type="datetimeFigureOut">
               <a:rPr lang="zh-CN" altLang="en-US" smtClean="0"/>
               <a:t>2024/3/10</a:t>
             </a:fld>
@@ -1144,7 +1144,7 @@
           <p:cNvPr id="5" name="页脚占位符 4">
             <a:extLst>
               <a:ext uri="{FF2B5EF4-FFF2-40B4-BE49-F238E27FC236}">
-                <a16:creationId xmlns:a16="http://schemas.microsoft.com/office/drawing/2014/main" id="{4E144731-2370-DB5B-8BCB-1C186C00325F}"/>
+                <a16:creationId xmlns:a16="http://schemas.microsoft.com/office/drawing/2014/main" id="{688183E0-69F1-5CA4-B538-B64AF3F98C72}"/>
               </a:ext>
             </a:extLst>
           </p:cNvPr>
@@ -1169,7 +1169,7 @@
           <p:cNvPr id="6" name="灯片编号占位符 5">
             <a:extLst>
               <a:ext uri="{FF2B5EF4-FFF2-40B4-BE49-F238E27FC236}">
-                <a16:creationId xmlns:a16="http://schemas.microsoft.com/office/drawing/2014/main" id="{EFD4655C-785C-1FE2-38A8-BB18E7205912}"/>
+                <a16:creationId xmlns:a16="http://schemas.microsoft.com/office/drawing/2014/main" id="{CB2EBB47-2A8E-D50E-8C02-FF5CF3BF637F}"/>
               </a:ext>
             </a:extLst>
           </p:cNvPr>
@@ -1185,7 +1185,7 @@
           <a:bodyPr/>
           <a:lstStyle/>
           <a:p>
-            <a:fld id="{85F04810-DBCF-41DF-B543-B5F7AFC1B8C6}" type="slidenum">
+            <a:fld id="{ED163785-233C-4CBD-94F3-795F38E20FB4}" type="slidenum">
               <a:rPr lang="zh-CN" altLang="en-US" smtClean="0"/>
               <a:t>‹#›</a:t>
             </a:fld>
@@ -1196,7 +1196,7 @@
     </p:spTree>
     <p:extLst>
       <p:ext uri="{BB962C8B-B14F-4D97-AF65-F5344CB8AC3E}">
-        <p14:creationId xmlns:p14="http://schemas.microsoft.com/office/powerpoint/2010/main" val="313257712"/>
+        <p14:creationId xmlns:p14="http://schemas.microsoft.com/office/powerpoint/2010/main" val="1749396079"/>
       </p:ext>
     </p:extLst>
   </p:cSld>
@@ -1228,7 +1228,7 @@
           <p:cNvPr id="2" name="标题 1">
             <a:extLst>
               <a:ext uri="{FF2B5EF4-FFF2-40B4-BE49-F238E27FC236}">
-                <a16:creationId xmlns:a16="http://schemas.microsoft.com/office/drawing/2014/main" id="{C1A7C877-4859-AB1F-21F7-7DB8326223BB}"/>
+                <a16:creationId xmlns:a16="http://schemas.microsoft.com/office/drawing/2014/main" id="{92120BE9-5DC2-1014-0540-D4D09451F068}"/>
               </a:ext>
             </a:extLst>
           </p:cNvPr>
@@ -1256,7 +1256,7 @@
           <p:cNvPr id="3" name="内容占位符 2">
             <a:extLst>
               <a:ext uri="{FF2B5EF4-FFF2-40B4-BE49-F238E27FC236}">
-                <a16:creationId xmlns:a16="http://schemas.microsoft.com/office/drawing/2014/main" id="{1E138A83-3C2B-D4BF-0163-63647FDDBAF1}"/>
+                <a16:creationId xmlns:a16="http://schemas.microsoft.com/office/drawing/2014/main" id="{7B312654-994F-685A-720F-EE5F29F6FD75}"/>
               </a:ext>
             </a:extLst>
           </p:cNvPr>
@@ -1318,7 +1318,7 @@
           <p:cNvPr id="4" name="内容占位符 3">
             <a:extLst>
               <a:ext uri="{FF2B5EF4-FFF2-40B4-BE49-F238E27FC236}">
-                <a16:creationId xmlns:a16="http://schemas.microsoft.com/office/drawing/2014/main" id="{A9CA2757-E8E0-895D-FE7A-69B133A4328E}"/>
+                <a16:creationId xmlns:a16="http://schemas.microsoft.com/office/drawing/2014/main" id="{97BD351E-7D07-54AD-0322-70B7E34CE00D}"/>
               </a:ext>
             </a:extLst>
           </p:cNvPr>
@@ -1380,7 +1380,7 @@
           <p:cNvPr id="5" name="日期占位符 4">
             <a:extLst>
               <a:ext uri="{FF2B5EF4-FFF2-40B4-BE49-F238E27FC236}">
-                <a16:creationId xmlns:a16="http://schemas.microsoft.com/office/drawing/2014/main" id="{FA1EFEDC-62A6-6260-6101-5F3C0D7964AD}"/>
+                <a16:creationId xmlns:a16="http://schemas.microsoft.com/office/drawing/2014/main" id="{56A625F8-5C39-C7AB-1F60-78DAC01BF97A}"/>
               </a:ext>
             </a:extLst>
           </p:cNvPr>
@@ -1396,7 +1396,7 @@
           <a:bodyPr/>
           <a:lstStyle/>
           <a:p>
-            <a:fld id="{F762CF11-8725-4D03-9F3E-622B1E1DE8F7}" type="datetimeFigureOut">
+            <a:fld id="{F516A70A-42B9-4903-8D15-6092F82C4776}" type="datetimeFigureOut">
               <a:rPr lang="zh-CN" altLang="en-US" smtClean="0"/>
               <a:t>2024/3/10</a:t>
             </a:fld>
@@ -1409,7 +1409,7 @@
           <p:cNvPr id="6" name="页脚占位符 5">
             <a:extLst>
               <a:ext uri="{FF2B5EF4-FFF2-40B4-BE49-F238E27FC236}">
-                <a16:creationId xmlns:a16="http://schemas.microsoft.com/office/drawing/2014/main" id="{B723A448-007E-41A8-5D4B-D8B06B05E44C}"/>
+                <a16:creationId xmlns:a16="http://schemas.microsoft.com/office/drawing/2014/main" id="{0418B383-AB74-C320-D244-E0F3F2EA7AE3}"/>
               </a:ext>
             </a:extLst>
           </p:cNvPr>
@@ -1434,7 +1434,7 @@
           <p:cNvPr id="7" name="灯片编号占位符 6">
             <a:extLst>
               <a:ext uri="{FF2B5EF4-FFF2-40B4-BE49-F238E27FC236}">
-                <a16:creationId xmlns:a16="http://schemas.microsoft.com/office/drawing/2014/main" id="{6A014F35-429D-F5F5-1F21-31A955F15EA0}"/>
+                <a16:creationId xmlns:a16="http://schemas.microsoft.com/office/drawing/2014/main" id="{0EA15E33-AB9D-334A-9226-1877F59A569D}"/>
               </a:ext>
             </a:extLst>
           </p:cNvPr>
@@ -1450,7 +1450,7 @@
           <a:bodyPr/>
           <a:lstStyle/>
           <a:p>
-            <a:fld id="{85F04810-DBCF-41DF-B543-B5F7AFC1B8C6}" type="slidenum">
+            <a:fld id="{ED163785-233C-4CBD-94F3-795F38E20FB4}" type="slidenum">
               <a:rPr lang="zh-CN" altLang="en-US" smtClean="0"/>
               <a:t>‹#›</a:t>
             </a:fld>
@@ -1461,7 +1461,7 @@
     </p:spTree>
     <p:extLst>
       <p:ext uri="{BB962C8B-B14F-4D97-AF65-F5344CB8AC3E}">
-        <p14:creationId xmlns:p14="http://schemas.microsoft.com/office/powerpoint/2010/main" val="3179924151"/>
+        <p14:creationId xmlns:p14="http://schemas.microsoft.com/office/powerpoint/2010/main" val="2959675614"/>
       </p:ext>
     </p:extLst>
   </p:cSld>
@@ -1493,7 +1493,7 @@
           <p:cNvPr id="2" name="标题 1">
             <a:extLst>
               <a:ext uri="{FF2B5EF4-FFF2-40B4-BE49-F238E27FC236}">
-                <a16:creationId xmlns:a16="http://schemas.microsoft.com/office/drawing/2014/main" id="{707077F6-7D1B-9532-E0E6-47D8C1482B0C}"/>
+                <a16:creationId xmlns:a16="http://schemas.microsoft.com/office/drawing/2014/main" id="{98561D57-5AB2-7142-E82B-EFF370B96E9D}"/>
               </a:ext>
             </a:extLst>
           </p:cNvPr>
@@ -1526,7 +1526,7 @@
           <p:cNvPr id="3" name="文本占位符 2">
             <a:extLst>
               <a:ext uri="{FF2B5EF4-FFF2-40B4-BE49-F238E27FC236}">
-                <a16:creationId xmlns:a16="http://schemas.microsoft.com/office/drawing/2014/main" id="{D5A4F442-35B1-C511-427E-1BC5A16F1F33}"/>
+                <a16:creationId xmlns:a16="http://schemas.microsoft.com/office/drawing/2014/main" id="{99114DF2-C89B-F351-68EA-42053DDEA3A0}"/>
               </a:ext>
             </a:extLst>
           </p:cNvPr>
@@ -1597,7 +1597,7 @@
           <p:cNvPr id="4" name="内容占位符 3">
             <a:extLst>
               <a:ext uri="{FF2B5EF4-FFF2-40B4-BE49-F238E27FC236}">
-                <a16:creationId xmlns:a16="http://schemas.microsoft.com/office/drawing/2014/main" id="{D6B6A0A9-2946-EE6F-41B2-B2169B3D84B4}"/>
+                <a16:creationId xmlns:a16="http://schemas.microsoft.com/office/drawing/2014/main" id="{93075422-FFBB-E8C1-9D50-FE7FAD28EF17}"/>
               </a:ext>
             </a:extLst>
           </p:cNvPr>
@@ -1659,7 +1659,7 @@
           <p:cNvPr id="5" name="文本占位符 4">
             <a:extLst>
               <a:ext uri="{FF2B5EF4-FFF2-40B4-BE49-F238E27FC236}">
-                <a16:creationId xmlns:a16="http://schemas.microsoft.com/office/drawing/2014/main" id="{E678228A-A1AC-B46F-C08D-E1C974348C15}"/>
+                <a16:creationId xmlns:a16="http://schemas.microsoft.com/office/drawing/2014/main" id="{937C89AE-0E90-9AEC-F594-EC8B90436338}"/>
               </a:ext>
             </a:extLst>
           </p:cNvPr>
@@ -1730,7 +1730,7 @@
           <p:cNvPr id="6" name="内容占位符 5">
             <a:extLst>
               <a:ext uri="{FF2B5EF4-FFF2-40B4-BE49-F238E27FC236}">
-                <a16:creationId xmlns:a16="http://schemas.microsoft.com/office/drawing/2014/main" id="{DFE2C49A-173C-E688-0B9C-BED946F2BFF7}"/>
+                <a16:creationId xmlns:a16="http://schemas.microsoft.com/office/drawing/2014/main" id="{BE8E00E8-F12A-B721-C885-E6A38E1AC987}"/>
               </a:ext>
             </a:extLst>
           </p:cNvPr>
@@ -1792,7 +1792,7 @@
           <p:cNvPr id="7" name="日期占位符 6">
             <a:extLst>
               <a:ext uri="{FF2B5EF4-FFF2-40B4-BE49-F238E27FC236}">
-                <a16:creationId xmlns:a16="http://schemas.microsoft.com/office/drawing/2014/main" id="{9F8EB481-737E-5190-A21C-9F53985613F1}"/>
+                <a16:creationId xmlns:a16="http://schemas.microsoft.com/office/drawing/2014/main" id="{D578F6BB-41FF-7073-9A2B-019581A6E548}"/>
               </a:ext>
             </a:extLst>
           </p:cNvPr>
@@ -1808,7 +1808,7 @@
           <a:bodyPr/>
           <a:lstStyle/>
           <a:p>
-            <a:fld id="{F762CF11-8725-4D03-9F3E-622B1E1DE8F7}" type="datetimeFigureOut">
+            <a:fld id="{F516A70A-42B9-4903-8D15-6092F82C4776}" type="datetimeFigureOut">
               <a:rPr lang="zh-CN" altLang="en-US" smtClean="0"/>
               <a:t>2024/3/10</a:t>
             </a:fld>
@@ -1821,7 +1821,7 @@
           <p:cNvPr id="8" name="页脚占位符 7">
             <a:extLst>
               <a:ext uri="{FF2B5EF4-FFF2-40B4-BE49-F238E27FC236}">
-                <a16:creationId xmlns:a16="http://schemas.microsoft.com/office/drawing/2014/main" id="{60A6F190-4187-ED45-43D7-F33B0BAE14DA}"/>
+                <a16:creationId xmlns:a16="http://schemas.microsoft.com/office/drawing/2014/main" id="{9910D21F-2B63-D30D-86D4-7B02941D6A4C}"/>
               </a:ext>
             </a:extLst>
           </p:cNvPr>
@@ -1846,7 +1846,7 @@
           <p:cNvPr id="9" name="灯片编号占位符 8">
             <a:extLst>
               <a:ext uri="{FF2B5EF4-FFF2-40B4-BE49-F238E27FC236}">
-                <a16:creationId xmlns:a16="http://schemas.microsoft.com/office/drawing/2014/main" id="{A2958BC0-9569-18DC-18D8-14799C9B267D}"/>
+                <a16:creationId xmlns:a16="http://schemas.microsoft.com/office/drawing/2014/main" id="{982FCC5F-E6C1-7137-BDBE-CB997145199D}"/>
               </a:ext>
             </a:extLst>
           </p:cNvPr>
@@ -1862,7 +1862,7 @@
           <a:bodyPr/>
           <a:lstStyle/>
           <a:p>
-            <a:fld id="{85F04810-DBCF-41DF-B543-B5F7AFC1B8C6}" type="slidenum">
+            <a:fld id="{ED163785-233C-4CBD-94F3-795F38E20FB4}" type="slidenum">
               <a:rPr lang="zh-CN" altLang="en-US" smtClean="0"/>
               <a:t>‹#›</a:t>
             </a:fld>
@@ -1873,7 +1873,7 @@
     </p:spTree>
     <p:extLst>
       <p:ext uri="{BB962C8B-B14F-4D97-AF65-F5344CB8AC3E}">
-        <p14:creationId xmlns:p14="http://schemas.microsoft.com/office/powerpoint/2010/main" val="2442782279"/>
+        <p14:creationId xmlns:p14="http://schemas.microsoft.com/office/powerpoint/2010/main" val="3145833647"/>
       </p:ext>
     </p:extLst>
   </p:cSld>
@@ -1905,7 +1905,7 @@
           <p:cNvPr id="2" name="标题 1">
             <a:extLst>
               <a:ext uri="{FF2B5EF4-FFF2-40B4-BE49-F238E27FC236}">
-                <a16:creationId xmlns:a16="http://schemas.microsoft.com/office/drawing/2014/main" id="{542CA235-6885-8BF1-B18A-4FC53AE05ECA}"/>
+                <a16:creationId xmlns:a16="http://schemas.microsoft.com/office/drawing/2014/main" id="{ADF5C66E-A761-48F4-AFF4-BE98502995CA}"/>
               </a:ext>
             </a:extLst>
           </p:cNvPr>
@@ -1933,7 +1933,7 @@
           <p:cNvPr id="3" name="日期占位符 2">
             <a:extLst>
               <a:ext uri="{FF2B5EF4-FFF2-40B4-BE49-F238E27FC236}">
-                <a16:creationId xmlns:a16="http://schemas.microsoft.com/office/drawing/2014/main" id="{1487CD65-6029-85B5-ABF0-F54D028C9064}"/>
+                <a16:creationId xmlns:a16="http://schemas.microsoft.com/office/drawing/2014/main" id="{2A0319D7-2E7C-6F65-5415-9D8D4A4DFF99}"/>
               </a:ext>
             </a:extLst>
           </p:cNvPr>
@@ -1949,7 +1949,7 @@
           <a:bodyPr/>
           <a:lstStyle/>
           <a:p>
-            <a:fld id="{F762CF11-8725-4D03-9F3E-622B1E1DE8F7}" type="datetimeFigureOut">
+            <a:fld id="{F516A70A-42B9-4903-8D15-6092F82C4776}" type="datetimeFigureOut">
               <a:rPr lang="zh-CN" altLang="en-US" smtClean="0"/>
               <a:t>2024/3/10</a:t>
             </a:fld>
@@ -1962,7 +1962,7 @@
           <p:cNvPr id="4" name="页脚占位符 3">
             <a:extLst>
               <a:ext uri="{FF2B5EF4-FFF2-40B4-BE49-F238E27FC236}">
-                <a16:creationId xmlns:a16="http://schemas.microsoft.com/office/drawing/2014/main" id="{4DBDF46B-0638-AC3D-4FBD-DC088137B74A}"/>
+                <a16:creationId xmlns:a16="http://schemas.microsoft.com/office/drawing/2014/main" id="{F5450193-96B1-6820-E8E7-0E51BA4C4CA8}"/>
               </a:ext>
             </a:extLst>
           </p:cNvPr>
@@ -1987,7 +1987,7 @@
           <p:cNvPr id="5" name="灯片编号占位符 4">
             <a:extLst>
               <a:ext uri="{FF2B5EF4-FFF2-40B4-BE49-F238E27FC236}">
-                <a16:creationId xmlns:a16="http://schemas.microsoft.com/office/drawing/2014/main" id="{78051114-6B0A-6F0A-F4FD-55FB1D8B2C9F}"/>
+                <a16:creationId xmlns:a16="http://schemas.microsoft.com/office/drawing/2014/main" id="{400DFFE6-0CD0-13C0-9990-335D26BAE353}"/>
               </a:ext>
             </a:extLst>
           </p:cNvPr>
@@ -2003,7 +2003,7 @@
           <a:bodyPr/>
           <a:lstStyle/>
           <a:p>
-            <a:fld id="{85F04810-DBCF-41DF-B543-B5F7AFC1B8C6}" type="slidenum">
+            <a:fld id="{ED163785-233C-4CBD-94F3-795F38E20FB4}" type="slidenum">
               <a:rPr lang="zh-CN" altLang="en-US" smtClean="0"/>
               <a:t>‹#›</a:t>
             </a:fld>
@@ -2014,7 +2014,7 @@
     </p:spTree>
     <p:extLst>
       <p:ext uri="{BB962C8B-B14F-4D97-AF65-F5344CB8AC3E}">
-        <p14:creationId xmlns:p14="http://schemas.microsoft.com/office/powerpoint/2010/main" val="1184789352"/>
+        <p14:creationId xmlns:p14="http://schemas.microsoft.com/office/powerpoint/2010/main" val="1390602166"/>
       </p:ext>
     </p:extLst>
   </p:cSld>
@@ -2046,7 +2046,7 @@
           <p:cNvPr id="2" name="日期占位符 1">
             <a:extLst>
               <a:ext uri="{FF2B5EF4-FFF2-40B4-BE49-F238E27FC236}">
-                <a16:creationId xmlns:a16="http://schemas.microsoft.com/office/drawing/2014/main" id="{5AAA75AE-B5C5-8F2B-11E4-A3E55EFCB1AB}"/>
+                <a16:creationId xmlns:a16="http://schemas.microsoft.com/office/drawing/2014/main" id="{FC3FC819-C07B-0520-0B84-C2F0DD5C18A8}"/>
               </a:ext>
             </a:extLst>
           </p:cNvPr>
@@ -2062,7 +2062,7 @@
           <a:bodyPr/>
           <a:lstStyle/>
           <a:p>
-            <a:fld id="{F762CF11-8725-4D03-9F3E-622B1E1DE8F7}" type="datetimeFigureOut">
+            <a:fld id="{F516A70A-42B9-4903-8D15-6092F82C4776}" type="datetimeFigureOut">
               <a:rPr lang="zh-CN" altLang="en-US" smtClean="0"/>
               <a:t>2024/3/10</a:t>
             </a:fld>
@@ -2075,7 +2075,7 @@
           <p:cNvPr id="3" name="页脚占位符 2">
             <a:extLst>
               <a:ext uri="{FF2B5EF4-FFF2-40B4-BE49-F238E27FC236}">
-                <a16:creationId xmlns:a16="http://schemas.microsoft.com/office/drawing/2014/main" id="{5D49A6EC-EE13-36BF-8D3C-4AA3C8F19519}"/>
+                <a16:creationId xmlns:a16="http://schemas.microsoft.com/office/drawing/2014/main" id="{38FFCFEA-8F4C-88D1-AB3B-36946AE7793A}"/>
               </a:ext>
             </a:extLst>
           </p:cNvPr>
@@ -2100,7 +2100,7 @@
           <p:cNvPr id="4" name="灯片编号占位符 3">
             <a:extLst>
               <a:ext uri="{FF2B5EF4-FFF2-40B4-BE49-F238E27FC236}">
-                <a16:creationId xmlns:a16="http://schemas.microsoft.com/office/drawing/2014/main" id="{63D4F8EB-575A-C33E-5A00-4C30E58C4E92}"/>
+                <a16:creationId xmlns:a16="http://schemas.microsoft.com/office/drawing/2014/main" id="{C1F5F52D-DC24-5D30-BC9D-DE6670E74026}"/>
               </a:ext>
             </a:extLst>
           </p:cNvPr>
@@ -2116,7 +2116,7 @@
           <a:bodyPr/>
           <a:lstStyle/>
           <a:p>
-            <a:fld id="{85F04810-DBCF-41DF-B543-B5F7AFC1B8C6}" type="slidenum">
+            <a:fld id="{ED163785-233C-4CBD-94F3-795F38E20FB4}" type="slidenum">
               <a:rPr lang="zh-CN" altLang="en-US" smtClean="0"/>
               <a:t>‹#›</a:t>
             </a:fld>
@@ -2127,7 +2127,7 @@
     </p:spTree>
     <p:extLst>
       <p:ext uri="{BB962C8B-B14F-4D97-AF65-F5344CB8AC3E}">
-        <p14:creationId xmlns:p14="http://schemas.microsoft.com/office/powerpoint/2010/main" val="2686114460"/>
+        <p14:creationId xmlns:p14="http://schemas.microsoft.com/office/powerpoint/2010/main" val="3764496919"/>
       </p:ext>
     </p:extLst>
   </p:cSld>
@@ -2159,7 +2159,7 @@
           <p:cNvPr id="2" name="标题 1">
             <a:extLst>
               <a:ext uri="{FF2B5EF4-FFF2-40B4-BE49-F238E27FC236}">
-                <a16:creationId xmlns:a16="http://schemas.microsoft.com/office/drawing/2014/main" id="{20281CE0-527E-53E6-9944-EF4C55BA3FCE}"/>
+                <a16:creationId xmlns:a16="http://schemas.microsoft.com/office/drawing/2014/main" id="{8E436EA1-53F0-EAE6-2D63-CE07ECF9342A}"/>
               </a:ext>
             </a:extLst>
           </p:cNvPr>
@@ -2196,7 +2196,7 @@
           <p:cNvPr id="3" name="内容占位符 2">
             <a:extLst>
               <a:ext uri="{FF2B5EF4-FFF2-40B4-BE49-F238E27FC236}">
-                <a16:creationId xmlns:a16="http://schemas.microsoft.com/office/drawing/2014/main" id="{F3AA7AD3-37AE-0509-0E46-BFED6AD7119A}"/>
+                <a16:creationId xmlns:a16="http://schemas.microsoft.com/office/drawing/2014/main" id="{7EC8B766-5BFB-6E1E-6E23-423A092A2899}"/>
               </a:ext>
             </a:extLst>
           </p:cNvPr>
@@ -2286,7 +2286,7 @@
           <p:cNvPr id="4" name="文本占位符 3">
             <a:extLst>
               <a:ext uri="{FF2B5EF4-FFF2-40B4-BE49-F238E27FC236}">
-                <a16:creationId xmlns:a16="http://schemas.microsoft.com/office/drawing/2014/main" id="{A3151923-DA34-9711-0B76-A37B1D88CFC4}"/>
+                <a16:creationId xmlns:a16="http://schemas.microsoft.com/office/drawing/2014/main" id="{4486F2C5-CD22-873E-9222-FE742DD6ABF3}"/>
               </a:ext>
             </a:extLst>
           </p:cNvPr>
@@ -2357,7 +2357,7 @@
           <p:cNvPr id="5" name="日期占位符 4">
             <a:extLst>
               <a:ext uri="{FF2B5EF4-FFF2-40B4-BE49-F238E27FC236}">
-                <a16:creationId xmlns:a16="http://schemas.microsoft.com/office/drawing/2014/main" id="{3D655512-56A1-998A-E6A0-787CB89264F1}"/>
+                <a16:creationId xmlns:a16="http://schemas.microsoft.com/office/drawing/2014/main" id="{F3FFA5E3-CF52-6CBA-ED28-C59179AE7ADE}"/>
               </a:ext>
             </a:extLst>
           </p:cNvPr>
@@ -2373,7 +2373,7 @@
           <a:bodyPr/>
           <a:lstStyle/>
           <a:p>
-            <a:fld id="{F762CF11-8725-4D03-9F3E-622B1E1DE8F7}" type="datetimeFigureOut">
+            <a:fld id="{F516A70A-42B9-4903-8D15-6092F82C4776}" type="datetimeFigureOut">
               <a:rPr lang="zh-CN" altLang="en-US" smtClean="0"/>
               <a:t>2024/3/10</a:t>
             </a:fld>
@@ -2386,7 +2386,7 @@
           <p:cNvPr id="6" name="页脚占位符 5">
             <a:extLst>
               <a:ext uri="{FF2B5EF4-FFF2-40B4-BE49-F238E27FC236}">
-                <a16:creationId xmlns:a16="http://schemas.microsoft.com/office/drawing/2014/main" id="{8CECD0D0-05DB-334C-138A-FB6442F0E33C}"/>
+                <a16:creationId xmlns:a16="http://schemas.microsoft.com/office/drawing/2014/main" id="{CC1DAEA6-2441-6F10-8069-3B81956EE173}"/>
               </a:ext>
             </a:extLst>
           </p:cNvPr>
@@ -2411,7 +2411,7 @@
           <p:cNvPr id="7" name="灯片编号占位符 6">
             <a:extLst>
               <a:ext uri="{FF2B5EF4-FFF2-40B4-BE49-F238E27FC236}">
-                <a16:creationId xmlns:a16="http://schemas.microsoft.com/office/drawing/2014/main" id="{7D8A34A6-6D4F-F310-21C4-1116A8E6C2FD}"/>
+                <a16:creationId xmlns:a16="http://schemas.microsoft.com/office/drawing/2014/main" id="{79184A7F-D18D-96D4-E633-8AD023AC32CA}"/>
               </a:ext>
             </a:extLst>
           </p:cNvPr>
@@ -2427,7 +2427,7 @@
           <a:bodyPr/>
           <a:lstStyle/>
           <a:p>
-            <a:fld id="{85F04810-DBCF-41DF-B543-B5F7AFC1B8C6}" type="slidenum">
+            <a:fld id="{ED163785-233C-4CBD-94F3-795F38E20FB4}" type="slidenum">
               <a:rPr lang="zh-CN" altLang="en-US" smtClean="0"/>
               <a:t>‹#›</a:t>
             </a:fld>
@@ -2438,7 +2438,7 @@
     </p:spTree>
     <p:extLst>
       <p:ext uri="{BB962C8B-B14F-4D97-AF65-F5344CB8AC3E}">
-        <p14:creationId xmlns:p14="http://schemas.microsoft.com/office/powerpoint/2010/main" val="3201853768"/>
+        <p14:creationId xmlns:p14="http://schemas.microsoft.com/office/powerpoint/2010/main" val="482462510"/>
       </p:ext>
     </p:extLst>
   </p:cSld>
@@ -2470,7 +2470,7 @@
           <p:cNvPr id="2" name="标题 1">
             <a:extLst>
               <a:ext uri="{FF2B5EF4-FFF2-40B4-BE49-F238E27FC236}">
-                <a16:creationId xmlns:a16="http://schemas.microsoft.com/office/drawing/2014/main" id="{DFAF2EC1-5115-EA31-3CC6-66DF059BA410}"/>
+                <a16:creationId xmlns:a16="http://schemas.microsoft.com/office/drawing/2014/main" id="{41FB4A9F-3574-CBD5-FB58-E8017418B2AB}"/>
               </a:ext>
             </a:extLst>
           </p:cNvPr>
@@ -2507,7 +2507,7 @@
           <p:cNvPr id="3" name="图片占位符 2">
             <a:extLst>
               <a:ext uri="{FF2B5EF4-FFF2-40B4-BE49-F238E27FC236}">
-                <a16:creationId xmlns:a16="http://schemas.microsoft.com/office/drawing/2014/main" id="{C145558D-F2BD-69D7-3F7F-F0542C0C0A4C}"/>
+                <a16:creationId xmlns:a16="http://schemas.microsoft.com/office/drawing/2014/main" id="{0A21AF85-2F01-E47C-AA4A-48259488E3F6}"/>
               </a:ext>
             </a:extLst>
           </p:cNvPr>
@@ -2574,7 +2574,7 @@
           <p:cNvPr id="4" name="文本占位符 3">
             <a:extLst>
               <a:ext uri="{FF2B5EF4-FFF2-40B4-BE49-F238E27FC236}">
-                <a16:creationId xmlns:a16="http://schemas.microsoft.com/office/drawing/2014/main" id="{1BCC0724-6759-C6E2-AC2A-E27564872E23}"/>
+                <a16:creationId xmlns:a16="http://schemas.microsoft.com/office/drawing/2014/main" id="{0BE694D0-AC41-698A-33C3-889BE5F09B47}"/>
               </a:ext>
             </a:extLst>
           </p:cNvPr>
@@ -2645,7 +2645,7 @@
           <p:cNvPr id="5" name="日期占位符 4">
             <a:extLst>
               <a:ext uri="{FF2B5EF4-FFF2-40B4-BE49-F238E27FC236}">
-                <a16:creationId xmlns:a16="http://schemas.microsoft.com/office/drawing/2014/main" id="{153129F2-E809-E613-D8E0-892AC0173EA5}"/>
+                <a16:creationId xmlns:a16="http://schemas.microsoft.com/office/drawing/2014/main" id="{A9316BDF-17ED-4040-7D5D-687ABA4EEA32}"/>
               </a:ext>
             </a:extLst>
           </p:cNvPr>
@@ -2661,7 +2661,7 @@
           <a:bodyPr/>
           <a:lstStyle/>
           <a:p>
-            <a:fld id="{F762CF11-8725-4D03-9F3E-622B1E1DE8F7}" type="datetimeFigureOut">
+            <a:fld id="{F516A70A-42B9-4903-8D15-6092F82C4776}" type="datetimeFigureOut">
               <a:rPr lang="zh-CN" altLang="en-US" smtClean="0"/>
               <a:t>2024/3/10</a:t>
             </a:fld>
@@ -2674,7 +2674,7 @@
           <p:cNvPr id="6" name="页脚占位符 5">
             <a:extLst>
               <a:ext uri="{FF2B5EF4-FFF2-40B4-BE49-F238E27FC236}">
-                <a16:creationId xmlns:a16="http://schemas.microsoft.com/office/drawing/2014/main" id="{D47CB06C-09C1-D5F8-32DB-B786EC13C038}"/>
+                <a16:creationId xmlns:a16="http://schemas.microsoft.com/office/drawing/2014/main" id="{EE9413FB-5F20-1D43-34A9-EE930977B394}"/>
               </a:ext>
             </a:extLst>
           </p:cNvPr>
@@ -2699,7 +2699,7 @@
           <p:cNvPr id="7" name="灯片编号占位符 6">
             <a:extLst>
               <a:ext uri="{FF2B5EF4-FFF2-40B4-BE49-F238E27FC236}">
-                <a16:creationId xmlns:a16="http://schemas.microsoft.com/office/drawing/2014/main" id="{41A67AA4-ADC6-E424-C6D4-61099B9A4CEF}"/>
+                <a16:creationId xmlns:a16="http://schemas.microsoft.com/office/drawing/2014/main" id="{53C29D16-2AD4-5A02-5117-66026B6D613B}"/>
               </a:ext>
             </a:extLst>
           </p:cNvPr>
@@ -2715,7 +2715,7 @@
           <a:bodyPr/>
           <a:lstStyle/>
           <a:p>
-            <a:fld id="{85F04810-DBCF-41DF-B543-B5F7AFC1B8C6}" type="slidenum">
+            <a:fld id="{ED163785-233C-4CBD-94F3-795F38E20FB4}" type="slidenum">
               <a:rPr lang="zh-CN" altLang="en-US" smtClean="0"/>
               <a:t>‹#›</a:t>
             </a:fld>
@@ -2726,7 +2726,7 @@
     </p:spTree>
     <p:extLst>
       <p:ext uri="{BB962C8B-B14F-4D97-AF65-F5344CB8AC3E}">
-        <p14:creationId xmlns:p14="http://schemas.microsoft.com/office/powerpoint/2010/main" val="4053978569"/>
+        <p14:creationId xmlns:p14="http://schemas.microsoft.com/office/powerpoint/2010/main" val="485687979"/>
       </p:ext>
     </p:extLst>
   </p:cSld>
@@ -2763,7 +2763,7 @@
           <p:cNvPr id="2" name="标题占位符 1">
             <a:extLst>
               <a:ext uri="{FF2B5EF4-FFF2-40B4-BE49-F238E27FC236}">
-                <a16:creationId xmlns:a16="http://schemas.microsoft.com/office/drawing/2014/main" id="{3E68D38B-C5B8-7C38-5789-F189CF8ABD0D}"/>
+                <a16:creationId xmlns:a16="http://schemas.microsoft.com/office/drawing/2014/main" id="{B3124F99-AF49-DA0C-4E65-65D21EC872BA}"/>
               </a:ext>
             </a:extLst>
           </p:cNvPr>
@@ -2801,7 +2801,7 @@
           <p:cNvPr id="3" name="文本占位符 2">
             <a:extLst>
               <a:ext uri="{FF2B5EF4-FFF2-40B4-BE49-F238E27FC236}">
-                <a16:creationId xmlns:a16="http://schemas.microsoft.com/office/drawing/2014/main" id="{E8F081DF-8A85-D919-B956-73A1F4E1F97E}"/>
+                <a16:creationId xmlns:a16="http://schemas.microsoft.com/office/drawing/2014/main" id="{F26D14C5-304D-2DF0-5809-09B69D8A571A}"/>
               </a:ext>
             </a:extLst>
           </p:cNvPr>
@@ -2868,7 +2868,7 @@
           <p:cNvPr id="4" name="日期占位符 3">
             <a:extLst>
               <a:ext uri="{FF2B5EF4-FFF2-40B4-BE49-F238E27FC236}">
-                <a16:creationId xmlns:a16="http://schemas.microsoft.com/office/drawing/2014/main" id="{DD01185A-D333-B2FB-C190-C645AD17CF7D}"/>
+                <a16:creationId xmlns:a16="http://schemas.microsoft.com/office/drawing/2014/main" id="{35864CCD-3E56-6B31-63EB-466F60A82953}"/>
               </a:ext>
             </a:extLst>
           </p:cNvPr>
@@ -2902,7 +2902,7 @@
             </a:lvl1pPr>
           </a:lstStyle>
           <a:p>
-            <a:fld id="{F762CF11-8725-4D03-9F3E-622B1E1DE8F7}" type="datetimeFigureOut">
+            <a:fld id="{F516A70A-42B9-4903-8D15-6092F82C4776}" type="datetimeFigureOut">
               <a:rPr lang="zh-CN" altLang="en-US" smtClean="0"/>
               <a:t>2024/3/10</a:t>
             </a:fld>
@@ -2915,7 +2915,7 @@
           <p:cNvPr id="5" name="页脚占位符 4">
             <a:extLst>
               <a:ext uri="{FF2B5EF4-FFF2-40B4-BE49-F238E27FC236}">
-                <a16:creationId xmlns:a16="http://schemas.microsoft.com/office/drawing/2014/main" id="{405C5860-4662-4911-6C00-CBB17DF39198}"/>
+                <a16:creationId xmlns:a16="http://schemas.microsoft.com/office/drawing/2014/main" id="{85B52946-9177-09FD-8BCD-5B506A992ED9}"/>
               </a:ext>
             </a:extLst>
           </p:cNvPr>
@@ -2958,7 +2958,7 @@
           <p:cNvPr id="6" name="灯片编号占位符 5">
             <a:extLst>
               <a:ext uri="{FF2B5EF4-FFF2-40B4-BE49-F238E27FC236}">
-                <a16:creationId xmlns:a16="http://schemas.microsoft.com/office/drawing/2014/main" id="{3CAE9F5A-3E99-6024-C9ED-A8410C79F2D7}"/>
+                <a16:creationId xmlns:a16="http://schemas.microsoft.com/office/drawing/2014/main" id="{CB4B915D-E262-BD07-95F2-A2ECE714B5DC}"/>
               </a:ext>
             </a:extLst>
           </p:cNvPr>
@@ -2992,7 +2992,7 @@
             </a:lvl1pPr>
           </a:lstStyle>
           <a:p>
-            <a:fld id="{85F04810-DBCF-41DF-B543-B5F7AFC1B8C6}" type="slidenum">
+            <a:fld id="{ED163785-233C-4CBD-94F3-795F38E20FB4}" type="slidenum">
               <a:rPr lang="zh-CN" altLang="en-US" smtClean="0"/>
               <a:t>‹#›</a:t>
             </a:fld>
@@ -3003,7 +3003,7 @@
     </p:spTree>
     <p:extLst>
       <p:ext uri="{BB962C8B-B14F-4D97-AF65-F5344CB8AC3E}">
-        <p14:creationId xmlns:p14="http://schemas.microsoft.com/office/powerpoint/2010/main" val="1204709656"/>
+        <p14:creationId xmlns:p14="http://schemas.microsoft.com/office/powerpoint/2010/main" val="3543858204"/>
       </p:ext>
     </p:extLst>
   </p:cSld>
